--- a/1.Intro_Ethics/CourseIntro.pptx
+++ b/1.Intro_Ethics/CourseIntro.pptx
@@ -11,6 +11,7 @@
     <p:sldId id="258" r:id="rId5"/>
     <p:sldId id="259" r:id="rId6"/>
     <p:sldId id="260" r:id="rId7"/>
+    <p:sldId id="262" r:id="rId8"/>
   </p:sldIdLst>
   <p:sldSz cx="12192000" cy="6858000"/>
   <p:notesSz cx="6858000" cy="9144000"/>
@@ -109,6 +110,11 @@
       </a:defRPr>
     </a:lvl9pPr>
   </p:defaultTextStyle>
+  <p:extLst>
+    <p:ext uri="{EFAFB233-063F-42B5-8137-9DF3F51BA10A}">
+      <p15:sldGuideLst xmlns:p15="http://schemas.microsoft.com/office/powerpoint/2012/main"/>
+    </p:ext>
+  </p:extLst>
 </p:presentation>
 </file>
 
@@ -259,7 +265,7 @@
           <a:p>
             <a:fld id="{B7249C76-2762-4821-A958-1D288BC06C91}" type="datetimeFigureOut">
               <a:rPr lang="en-US" smtClean="0"/>
-              <a:t>8/3/2021</a:t>
+              <a:t>8/10/2021</a:t>
             </a:fld>
             <a:endParaRPr lang="en-US"/>
           </a:p>
@@ -457,7 +463,7 @@
           <a:p>
             <a:fld id="{B7249C76-2762-4821-A958-1D288BC06C91}" type="datetimeFigureOut">
               <a:rPr lang="en-US" smtClean="0"/>
-              <a:t>8/3/2021</a:t>
+              <a:t>8/10/2021</a:t>
             </a:fld>
             <a:endParaRPr lang="en-US"/>
           </a:p>
@@ -665,7 +671,7 @@
           <a:p>
             <a:fld id="{B7249C76-2762-4821-A958-1D288BC06C91}" type="datetimeFigureOut">
               <a:rPr lang="en-US" smtClean="0"/>
-              <a:t>8/3/2021</a:t>
+              <a:t>8/10/2021</a:t>
             </a:fld>
             <a:endParaRPr lang="en-US"/>
           </a:p>
@@ -863,7 +869,7 @@
           <a:p>
             <a:fld id="{B7249C76-2762-4821-A958-1D288BC06C91}" type="datetimeFigureOut">
               <a:rPr lang="en-US" smtClean="0"/>
-              <a:t>8/3/2021</a:t>
+              <a:t>8/10/2021</a:t>
             </a:fld>
             <a:endParaRPr lang="en-US"/>
           </a:p>
@@ -1138,7 +1144,7 @@
           <a:p>
             <a:fld id="{B7249C76-2762-4821-A958-1D288BC06C91}" type="datetimeFigureOut">
               <a:rPr lang="en-US" smtClean="0"/>
-              <a:t>8/3/2021</a:t>
+              <a:t>8/10/2021</a:t>
             </a:fld>
             <a:endParaRPr lang="en-US"/>
           </a:p>
@@ -1403,7 +1409,7 @@
           <a:p>
             <a:fld id="{B7249C76-2762-4821-A958-1D288BC06C91}" type="datetimeFigureOut">
               <a:rPr lang="en-US" smtClean="0"/>
-              <a:t>8/3/2021</a:t>
+              <a:t>8/10/2021</a:t>
             </a:fld>
             <a:endParaRPr lang="en-US"/>
           </a:p>
@@ -1815,7 +1821,7 @@
           <a:p>
             <a:fld id="{B7249C76-2762-4821-A958-1D288BC06C91}" type="datetimeFigureOut">
               <a:rPr lang="en-US" smtClean="0"/>
-              <a:t>8/3/2021</a:t>
+              <a:t>8/10/2021</a:t>
             </a:fld>
             <a:endParaRPr lang="en-US"/>
           </a:p>
@@ -1956,7 +1962,7 @@
           <a:p>
             <a:fld id="{B7249C76-2762-4821-A958-1D288BC06C91}" type="datetimeFigureOut">
               <a:rPr lang="en-US" smtClean="0"/>
-              <a:t>8/3/2021</a:t>
+              <a:t>8/10/2021</a:t>
             </a:fld>
             <a:endParaRPr lang="en-US"/>
           </a:p>
@@ -2069,7 +2075,7 @@
           <a:p>
             <a:fld id="{B7249C76-2762-4821-A958-1D288BC06C91}" type="datetimeFigureOut">
               <a:rPr lang="en-US" smtClean="0"/>
-              <a:t>8/3/2021</a:t>
+              <a:t>8/10/2021</a:t>
             </a:fld>
             <a:endParaRPr lang="en-US"/>
           </a:p>
@@ -2380,7 +2386,7 @@
           <a:p>
             <a:fld id="{B7249C76-2762-4821-A958-1D288BC06C91}" type="datetimeFigureOut">
               <a:rPr lang="en-US" smtClean="0"/>
-              <a:t>8/3/2021</a:t>
+              <a:t>8/10/2021</a:t>
             </a:fld>
             <a:endParaRPr lang="en-US"/>
           </a:p>
@@ -2668,7 +2674,7 @@
           <a:p>
             <a:fld id="{B7249C76-2762-4821-A958-1D288BC06C91}" type="datetimeFigureOut">
               <a:rPr lang="en-US" smtClean="0"/>
-              <a:t>8/3/2021</a:t>
+              <a:t>8/10/2021</a:t>
             </a:fld>
             <a:endParaRPr lang="en-US"/>
           </a:p>
@@ -2909,7 +2915,7 @@
           <a:p>
             <a:fld id="{B7249C76-2762-4821-A958-1D288BC06C91}" type="datetimeFigureOut">
               <a:rPr lang="en-US" smtClean="0"/>
-              <a:t>8/3/2021</a:t>
+              <a:t>8/10/2021</a:t>
             </a:fld>
             <a:endParaRPr lang="en-US"/>
           </a:p>
@@ -3484,7 +3490,7 @@
           <a:p>
             <a:r>
               <a:rPr lang="en-US" dirty="0"/>
-              <a:t>Skills that will help you succeed in cyber sec or IT in general</a:t>
+              <a:t>Skills that will help you succeed in cyber sec or IT/science in general</a:t>
             </a:r>
           </a:p>
           <a:p>
@@ -3651,7 +3657,7 @@
             <a:pPr lvl="1"/>
             <a:r>
               <a:rPr lang="en-US" dirty="0"/>
-              <a:t>Try to make sure that everyone participates</a:t>
+              <a:t>Make sure that everyone participates</a:t>
             </a:r>
           </a:p>
           <a:p>
@@ -4040,6 +4046,202 @@
     <p:extLst>
       <p:ext uri="{BB962C8B-B14F-4D97-AF65-F5344CB8AC3E}">
         <p14:creationId xmlns:p14="http://schemas.microsoft.com/office/powerpoint/2010/main" val="3603001843"/>
+      </p:ext>
+    </p:extLst>
+  </p:cSld>
+  <p:clrMapOvr>
+    <a:masterClrMapping/>
+  </p:clrMapOvr>
+</p:sld>
+</file>
+
+<file path=ppt/slides/slide7.xml><?xml version="1.0" encoding="utf-8"?>
+<p:sld xmlns:a="http://schemas.openxmlformats.org/drawingml/2006/main" xmlns:r="http://schemas.openxmlformats.org/officeDocument/2006/relationships" xmlns:p="http://schemas.openxmlformats.org/presentationml/2006/main">
+  <p:cSld>
+    <p:spTree>
+      <p:nvGrpSpPr>
+        <p:cNvPr id="1" name=""/>
+        <p:cNvGrpSpPr/>
+        <p:nvPr/>
+      </p:nvGrpSpPr>
+      <p:grpSpPr>
+        <a:xfrm>
+          <a:off x="0" y="0"/>
+          <a:ext cx="0" cy="0"/>
+          <a:chOff x="0" y="0"/>
+          <a:chExt cx="0" cy="0"/>
+        </a:xfrm>
+      </p:grpSpPr>
+      <p:sp>
+        <p:nvSpPr>
+          <p:cNvPr id="2" name="Title 1">
+            <a:extLst>
+              <a:ext uri="{FF2B5EF4-FFF2-40B4-BE49-F238E27FC236}">
+                <a16:creationId xmlns:a16="http://schemas.microsoft.com/office/drawing/2014/main" id="{F2B3150A-605E-47AC-8869-4BF35640ABE1}"/>
+              </a:ext>
+            </a:extLst>
+          </p:cNvPr>
+          <p:cNvSpPr>
+            <a:spLocks noGrp="1"/>
+          </p:cNvSpPr>
+          <p:nvPr>
+            <p:ph type="title"/>
+          </p:nvPr>
+        </p:nvSpPr>
+        <p:spPr/>
+        <p:txBody>
+          <a:bodyPr/>
+          <a:lstStyle/>
+          <a:p>
+            <a:r>
+              <a:rPr lang="en-US" dirty="0"/>
+              <a:t>Government Cyber Security Scholarships</a:t>
+            </a:r>
+          </a:p>
+        </p:txBody>
+      </p:sp>
+      <p:sp>
+        <p:nvSpPr>
+          <p:cNvPr id="3" name="Content Placeholder 2">
+            <a:extLst>
+              <a:ext uri="{FF2B5EF4-FFF2-40B4-BE49-F238E27FC236}">
+                <a16:creationId xmlns:a16="http://schemas.microsoft.com/office/drawing/2014/main" id="{5137E380-4BE0-4CBF-AAF8-EFB8CA4EF38A}"/>
+              </a:ext>
+            </a:extLst>
+          </p:cNvPr>
+          <p:cNvSpPr>
+            <a:spLocks noGrp="1"/>
+          </p:cNvSpPr>
+          <p:nvPr>
+            <p:ph idx="1"/>
+          </p:nvPr>
+        </p:nvSpPr>
+        <p:spPr/>
+        <p:txBody>
+          <a:bodyPr/>
+          <a:lstStyle/>
+          <a:p>
+            <a:r>
+              <a:rPr lang="en-US" dirty="0" err="1"/>
+              <a:t>CyberCorps</a:t>
+            </a:r>
+            <a:r>
+              <a:rPr lang="en-US" dirty="0"/>
+              <a:t>:  Scholarships for Service (</a:t>
+            </a:r>
+            <a:r>
+              <a:rPr lang="en-US" dirty="0" err="1"/>
+              <a:t>SfS</a:t>
+            </a:r>
+            <a:r>
+              <a:rPr lang="en-US" dirty="0"/>
+              <a:t>)</a:t>
+            </a:r>
+          </a:p>
+          <a:p>
+            <a:pPr lvl="1"/>
+            <a:r>
+              <a:rPr lang="en-US" sz="1800" dirty="0">
+                <a:hlinkClick r:id="rId2"/>
+              </a:rPr>
+              <a:t>https://www.sfs.opm.gov/</a:t>
+            </a:r>
+            <a:r>
+              <a:rPr lang="en-US" sz="1800" dirty="0"/>
+              <a:t> </a:t>
+            </a:r>
+          </a:p>
+          <a:p>
+            <a:pPr lvl="1"/>
+            <a:r>
+              <a:rPr lang="en-US" sz="1800" dirty="0"/>
+              <a:t>Serve ~4 years in any federal or state agency</a:t>
+            </a:r>
+          </a:p>
+          <a:p>
+            <a:pPr lvl="1"/>
+            <a:r>
+              <a:rPr lang="en-US" sz="1800" dirty="0"/>
+              <a:t>VT, ODU, Hampton U, Marymount U, Norfolk State U, George Washington U, Georgetown U</a:t>
+            </a:r>
+          </a:p>
+          <a:p>
+            <a:r>
+              <a:rPr lang="en-US" dirty="0"/>
+              <a:t>Department of Defense</a:t>
+            </a:r>
+          </a:p>
+          <a:p>
+            <a:pPr lvl="1"/>
+            <a:r>
+              <a:rPr lang="en-US" sz="1600" dirty="0">
+                <a:hlinkClick r:id="rId3"/>
+              </a:rPr>
+              <a:t>https://dodcio.defense.gov/Cyber-Workforce/CySP/</a:t>
+            </a:r>
+            <a:r>
+              <a:rPr lang="en-US" sz="2000" dirty="0"/>
+              <a:t> </a:t>
+            </a:r>
+          </a:p>
+          <a:p>
+            <a:pPr lvl="1"/>
+            <a:r>
+              <a:rPr lang="en-US" sz="1600" dirty="0">
+                <a:hlinkClick r:id="rId4"/>
+              </a:rPr>
+              <a:t>https://public.cyber.mil/dcysp/</a:t>
+            </a:r>
+            <a:r>
+              <a:rPr lang="en-US" sz="1600" dirty="0"/>
+              <a:t> </a:t>
+            </a:r>
+          </a:p>
+          <a:p>
+            <a:pPr lvl="1"/>
+            <a:r>
+              <a:rPr lang="en-US" sz="1800" dirty="0"/>
+              <a:t>One year service per year of scholarship</a:t>
+            </a:r>
+          </a:p>
+          <a:p>
+            <a:r>
+              <a:rPr lang="en-US" dirty="0"/>
+              <a:t>CIA</a:t>
+            </a:r>
+          </a:p>
+          <a:p>
+            <a:pPr lvl="1"/>
+            <a:r>
+              <a:rPr lang="en-US" sz="1600" dirty="0">
+                <a:hlinkClick r:id="rId5"/>
+              </a:rPr>
+              <a:t>https://www.cia.gov/careers/jobs/directorate-of-analysis-fellowship-program/</a:t>
+            </a:r>
+            <a:r>
+              <a:rPr lang="en-US" sz="1600" dirty="0"/>
+              <a:t> </a:t>
+            </a:r>
+          </a:p>
+          <a:p>
+            <a:pPr lvl="1"/>
+            <a:r>
+              <a:rPr lang="en-US" sz="1600" dirty="0">
+                <a:hlinkClick r:id="rId6"/>
+              </a:rPr>
+              <a:t>https://www.cia.gov/careers/student-programs/</a:t>
+            </a:r>
+            <a:r>
+              <a:rPr lang="en-US" sz="1600" dirty="0"/>
+              <a:t> </a:t>
+            </a:r>
+          </a:p>
+        </p:txBody>
+      </p:sp>
+    </p:spTree>
+    <p:extLst>
+      <p:ext uri="{BB962C8B-B14F-4D97-AF65-F5344CB8AC3E}">
+        <p14:creationId xmlns:p14="http://schemas.microsoft.com/office/powerpoint/2010/main" val="3163262445"/>
       </p:ext>
     </p:extLst>
   </p:cSld>

--- a/1.Intro_Ethics/CourseIntro.pptx
+++ b/1.Intro_Ethics/CourseIntro.pptx
@@ -265,7 +265,7 @@
           <a:p>
             <a:fld id="{B7249C76-2762-4821-A958-1D288BC06C91}" type="datetimeFigureOut">
               <a:rPr lang="en-US" smtClean="0"/>
-              <a:t>8/10/2021</a:t>
+              <a:t>8/3/2022</a:t>
             </a:fld>
             <a:endParaRPr lang="en-US"/>
           </a:p>
@@ -463,7 +463,7 @@
           <a:p>
             <a:fld id="{B7249C76-2762-4821-A958-1D288BC06C91}" type="datetimeFigureOut">
               <a:rPr lang="en-US" smtClean="0"/>
-              <a:t>8/10/2021</a:t>
+              <a:t>8/3/2022</a:t>
             </a:fld>
             <a:endParaRPr lang="en-US"/>
           </a:p>
@@ -671,7 +671,7 @@
           <a:p>
             <a:fld id="{B7249C76-2762-4821-A958-1D288BC06C91}" type="datetimeFigureOut">
               <a:rPr lang="en-US" smtClean="0"/>
-              <a:t>8/10/2021</a:t>
+              <a:t>8/3/2022</a:t>
             </a:fld>
             <a:endParaRPr lang="en-US"/>
           </a:p>
@@ -869,7 +869,7 @@
           <a:p>
             <a:fld id="{B7249C76-2762-4821-A958-1D288BC06C91}" type="datetimeFigureOut">
               <a:rPr lang="en-US" smtClean="0"/>
-              <a:t>8/10/2021</a:t>
+              <a:t>8/3/2022</a:t>
             </a:fld>
             <a:endParaRPr lang="en-US"/>
           </a:p>
@@ -1144,7 +1144,7 @@
           <a:p>
             <a:fld id="{B7249C76-2762-4821-A958-1D288BC06C91}" type="datetimeFigureOut">
               <a:rPr lang="en-US" smtClean="0"/>
-              <a:t>8/10/2021</a:t>
+              <a:t>8/3/2022</a:t>
             </a:fld>
             <a:endParaRPr lang="en-US"/>
           </a:p>
@@ -1409,7 +1409,7 @@
           <a:p>
             <a:fld id="{B7249C76-2762-4821-A958-1D288BC06C91}" type="datetimeFigureOut">
               <a:rPr lang="en-US" smtClean="0"/>
-              <a:t>8/10/2021</a:t>
+              <a:t>8/3/2022</a:t>
             </a:fld>
             <a:endParaRPr lang="en-US"/>
           </a:p>
@@ -1821,7 +1821,7 @@
           <a:p>
             <a:fld id="{B7249C76-2762-4821-A958-1D288BC06C91}" type="datetimeFigureOut">
               <a:rPr lang="en-US" smtClean="0"/>
-              <a:t>8/10/2021</a:t>
+              <a:t>8/3/2022</a:t>
             </a:fld>
             <a:endParaRPr lang="en-US"/>
           </a:p>
@@ -1962,7 +1962,7 @@
           <a:p>
             <a:fld id="{B7249C76-2762-4821-A958-1D288BC06C91}" type="datetimeFigureOut">
               <a:rPr lang="en-US" smtClean="0"/>
-              <a:t>8/10/2021</a:t>
+              <a:t>8/3/2022</a:t>
             </a:fld>
             <a:endParaRPr lang="en-US"/>
           </a:p>
@@ -2075,7 +2075,7 @@
           <a:p>
             <a:fld id="{B7249C76-2762-4821-A958-1D288BC06C91}" type="datetimeFigureOut">
               <a:rPr lang="en-US" smtClean="0"/>
-              <a:t>8/10/2021</a:t>
+              <a:t>8/3/2022</a:t>
             </a:fld>
             <a:endParaRPr lang="en-US"/>
           </a:p>
@@ -2386,7 +2386,7 @@
           <a:p>
             <a:fld id="{B7249C76-2762-4821-A958-1D288BC06C91}" type="datetimeFigureOut">
               <a:rPr lang="en-US" smtClean="0"/>
-              <a:t>8/10/2021</a:t>
+              <a:t>8/3/2022</a:t>
             </a:fld>
             <a:endParaRPr lang="en-US"/>
           </a:p>
@@ -2674,7 +2674,7 @@
           <a:p>
             <a:fld id="{B7249C76-2762-4821-A958-1D288BC06C91}" type="datetimeFigureOut">
               <a:rPr lang="en-US" smtClean="0"/>
-              <a:t>8/10/2021</a:t>
+              <a:t>8/3/2022</a:t>
             </a:fld>
             <a:endParaRPr lang="en-US"/>
           </a:p>
@@ -2915,7 +2915,7 @@
           <a:p>
             <a:fld id="{B7249C76-2762-4821-A958-1D288BC06C91}" type="datetimeFigureOut">
               <a:rPr lang="en-US" smtClean="0"/>
-              <a:t>8/10/2021</a:t>
+              <a:t>8/3/2022</a:t>
             </a:fld>
             <a:endParaRPr lang="en-US"/>
           </a:p>
@@ -3396,7 +3396,7 @@
           <a:p>
             <a:r>
               <a:rPr lang="en-US" dirty="0"/>
-              <a:t>Fall 2021 to Spring 2022</a:t>
+              <a:t>Fall 2022 to Spring 2023</a:t>
             </a:r>
           </a:p>
           <a:p>
@@ -3793,6 +3793,13 @@
             </a:r>
           </a:p>
           <a:p>
+            <a:pPr lvl="1"/>
+            <a:r>
+              <a:rPr lang="en-US" sz="2800" dirty="0"/>
+              <a:t>For each week late, -0.5 on 0 – 10 scale</a:t>
+            </a:r>
+          </a:p>
+          <a:p>
             <a:r>
               <a:rPr lang="en-US" sz="3200" dirty="0"/>
               <a:t>Don’t get behind!!</a:t>
@@ -3876,7 +3883,9 @@
         </p:nvSpPr>
         <p:spPr/>
         <p:txBody>
-          <a:bodyPr/>
+          <a:bodyPr>
+            <a:normAutofit fontScale="92500" lnSpcReduction="10000"/>
+          </a:bodyPr>
           <a:lstStyle/>
           <a:p>
             <a:r>
@@ -3903,7 +3912,7 @@
           <a:p>
             <a:r>
               <a:rPr lang="en-US" dirty="0"/>
-              <a:t>Spring semester: National Cyber League</a:t>
+              <a:t>Spring semester and late Fall:  CyberStart America</a:t>
             </a:r>
           </a:p>
           <a:p>
@@ -3911,6 +3920,25 @@
             <a:r>
               <a:rPr lang="en-US" dirty="0">
                 <a:hlinkClick r:id="rId3"/>
+              </a:rPr>
+              <a:t>https://www.cyberstartamerica.org/</a:t>
+            </a:r>
+            <a:r>
+              <a:rPr lang="en-US" dirty="0"/>
+              <a:t> </a:t>
+            </a:r>
+          </a:p>
+          <a:p>
+            <a:r>
+              <a:rPr lang="en-US" dirty="0"/>
+              <a:t>Possible: National Cyber League</a:t>
+            </a:r>
+          </a:p>
+          <a:p>
+            <a:pPr lvl="1"/>
+            <a:r>
+              <a:rPr lang="en-US" dirty="0">
+                <a:hlinkClick r:id="rId4"/>
               </a:rPr>
               <a:t>https://nationalcyberleague.org/</a:t>
             </a:r>
